--- a/powerapp-call-rest-api/images/figures.pptx
+++ b/powerapp-call-rest-api/images/figures.pptx
@@ -3617,6 +3617,1316 @@
           <a:chExt cx="0" cy="0"/>
         </a:xfrm>
       </p:grpSpPr>
+      <p:pic>
+        <p:nvPicPr>
+          <p:cNvPr id="3" name="図 2" descr="テキスト, 挿絵, 時計 が含まれている画像&#10;&#10;自動的に生成された説明">
+            <a:extLst>
+              <a:ext uri="{FF2B5EF4-FFF2-40B4-BE49-F238E27FC236}">
+                <a16:creationId xmlns:a16="http://schemas.microsoft.com/office/drawing/2014/main" id="{C52D374A-C2A9-4575-AE6B-5526CDA188A3}"/>
+              </a:ext>
+            </a:extLst>
+          </p:cNvPr>
+          <p:cNvPicPr>
+            <a:picLocks noChangeAspect="1"/>
+          </p:cNvPicPr>
+          <p:nvPr/>
+        </p:nvPicPr>
+        <p:blipFill>
+          <a:blip r:embed="rId2">
+            <a:extLst>
+              <a:ext uri="{28A0092B-C50C-407E-A947-70E740481C1C}">
+                <a14:useLocalDpi xmlns:a14="http://schemas.microsoft.com/office/drawing/2010/main" val="0"/>
+              </a:ext>
+            </a:extLst>
+          </a:blip>
+          <a:stretch>
+            <a:fillRect/>
+          </a:stretch>
+        </p:blipFill>
+        <p:spPr>
+          <a:xfrm>
+            <a:off x="1880807" y="1316505"/>
+            <a:ext cx="586244" cy="586244"/>
+          </a:xfrm>
+          <a:prstGeom prst="rect">
+            <a:avLst/>
+          </a:prstGeom>
+        </p:spPr>
+      </p:pic>
+      <p:pic>
+        <p:nvPicPr>
+          <p:cNvPr id="5" name="図 4" descr="座る, テーブル, ケーキ, 光 が含まれている画像&#10;&#10;自動的に生成された説明">
+            <a:extLst>
+              <a:ext uri="{FF2B5EF4-FFF2-40B4-BE49-F238E27FC236}">
+                <a16:creationId xmlns:a16="http://schemas.microsoft.com/office/drawing/2014/main" id="{EE656767-5B49-4A03-8F0B-4BD4A34C120E}"/>
+              </a:ext>
+            </a:extLst>
+          </p:cNvPr>
+          <p:cNvPicPr>
+            <a:picLocks noChangeAspect="1"/>
+          </p:cNvPicPr>
+          <p:nvPr/>
+        </p:nvPicPr>
+        <p:blipFill>
+          <a:blip r:embed="rId3">
+            <a:extLst>
+              <a:ext uri="{28A0092B-C50C-407E-A947-70E740481C1C}">
+                <a14:useLocalDpi xmlns:a14="http://schemas.microsoft.com/office/drawing/2010/main" val="0"/>
+              </a:ext>
+            </a:extLst>
+          </a:blip>
+          <a:stretch>
+            <a:fillRect/>
+          </a:stretch>
+        </p:blipFill>
+        <p:spPr>
+          <a:xfrm>
+            <a:off x="4224614" y="1286942"/>
+            <a:ext cx="839315" cy="645370"/>
+          </a:xfrm>
+          <a:prstGeom prst="rect">
+            <a:avLst/>
+          </a:prstGeom>
+        </p:spPr>
+      </p:pic>
+      <p:pic>
+        <p:nvPicPr>
+          <p:cNvPr id="7" name="図 6">
+            <a:extLst>
+              <a:ext uri="{FF2B5EF4-FFF2-40B4-BE49-F238E27FC236}">
+                <a16:creationId xmlns:a16="http://schemas.microsoft.com/office/drawing/2014/main" id="{7C901264-5FC5-449D-9CBC-2A4FA69E2F76}"/>
+              </a:ext>
+            </a:extLst>
+          </p:cNvPr>
+          <p:cNvPicPr>
+            <a:picLocks noChangeAspect="1"/>
+          </p:cNvPicPr>
+          <p:nvPr/>
+        </p:nvPicPr>
+        <p:blipFill>
+          <a:blip r:embed="rId4">
+            <a:extLst>
+              <a:ext uri="{28A0092B-C50C-407E-A947-70E740481C1C}">
+                <a14:useLocalDpi xmlns:a14="http://schemas.microsoft.com/office/drawing/2010/main" val="0"/>
+              </a:ext>
+            </a:extLst>
+          </a:blip>
+          <a:stretch>
+            <a:fillRect/>
+          </a:stretch>
+        </p:blipFill>
+        <p:spPr>
+          <a:xfrm>
+            <a:off x="7640546" y="1219786"/>
+            <a:ext cx="780290" cy="780290"/>
+          </a:xfrm>
+          <a:prstGeom prst="rect">
+            <a:avLst/>
+          </a:prstGeom>
+        </p:spPr>
+      </p:pic>
+      <p:sp>
+        <p:nvSpPr>
+          <p:cNvPr id="10" name="吹き出し: 角を丸めた四角形 9">
+            <a:extLst>
+              <a:ext uri="{FF2B5EF4-FFF2-40B4-BE49-F238E27FC236}">
+                <a16:creationId xmlns:a16="http://schemas.microsoft.com/office/drawing/2014/main" id="{D39D5A95-2C11-46CC-AA17-069B8C8F8DBA}"/>
+              </a:ext>
+            </a:extLst>
+          </p:cNvPr>
+          <p:cNvSpPr/>
+          <p:nvPr/>
+        </p:nvSpPr>
+        <p:spPr>
+          <a:xfrm>
+            <a:off x="8756310" y="1177219"/>
+            <a:ext cx="2045617" cy="822857"/>
+          </a:xfrm>
+          <a:prstGeom prst="wedgeRoundRectCallout">
+            <a:avLst>
+              <a:gd name="adj1" fmla="val -70741"/>
+              <a:gd name="adj2" fmla="val 6398"/>
+              <a:gd name="adj3" fmla="val 16667"/>
+            </a:avLst>
+          </a:prstGeom>
+        </p:spPr>
+        <p:style>
+          <a:lnRef idx="2">
+            <a:schemeClr val="accent5"/>
+          </a:lnRef>
+          <a:fillRef idx="1">
+            <a:schemeClr val="lt1"/>
+          </a:fillRef>
+          <a:effectRef idx="0">
+            <a:schemeClr val="accent5"/>
+          </a:effectRef>
+          <a:fontRef idx="minor">
+            <a:schemeClr val="dk1"/>
+          </a:fontRef>
+        </p:style>
+        <p:txBody>
+          <a:bodyPr rtlCol="0" anchor="ctr"/>
+          <a:lstStyle/>
+          <a:p>
+            <a:pPr algn="ctr"/>
+            <a:endParaRPr kumimoji="1" lang="ja-JP" altLang="en-US"/>
+          </a:p>
+        </p:txBody>
+      </p:sp>
+      <p:pic>
+        <p:nvPicPr>
+          <p:cNvPr id="11" name="図 10" descr="座る, 時計, テーブル, コンピュータ が含まれている画像&#10;&#10;自動的に生成された説明">
+            <a:extLst>
+              <a:ext uri="{FF2B5EF4-FFF2-40B4-BE49-F238E27FC236}">
+                <a16:creationId xmlns:a16="http://schemas.microsoft.com/office/drawing/2014/main" id="{8437B2D0-83FB-40A9-97C4-8D118C282251}"/>
+              </a:ext>
+            </a:extLst>
+          </p:cNvPr>
+          <p:cNvPicPr>
+            <a:picLocks noChangeAspect="1"/>
+          </p:cNvPicPr>
+          <p:nvPr/>
+        </p:nvPicPr>
+        <p:blipFill>
+          <a:blip r:embed="rId5">
+            <a:extLst>
+              <a:ext uri="{28A0092B-C50C-407E-A947-70E740481C1C}">
+                <a14:useLocalDpi xmlns:a14="http://schemas.microsoft.com/office/drawing/2010/main" val="0"/>
+              </a:ext>
+            </a:extLst>
+          </a:blip>
+          <a:stretch>
+            <a:fillRect/>
+          </a:stretch>
+        </p:blipFill>
+        <p:spPr>
+          <a:xfrm>
+            <a:off x="8920149" y="1248622"/>
+            <a:ext cx="614658" cy="680048"/>
+          </a:xfrm>
+          <a:prstGeom prst="rect">
+            <a:avLst/>
+          </a:prstGeom>
+        </p:spPr>
+      </p:pic>
+      <p:sp>
+        <p:nvSpPr>
+          <p:cNvPr id="12" name="テキスト ボックス 11">
+            <a:extLst>
+              <a:ext uri="{FF2B5EF4-FFF2-40B4-BE49-F238E27FC236}">
+                <a16:creationId xmlns:a16="http://schemas.microsoft.com/office/drawing/2014/main" id="{BBD5FA07-C888-45F9-AD29-6B5427EF6093}"/>
+              </a:ext>
+            </a:extLst>
+          </p:cNvPr>
+          <p:cNvSpPr txBox="1"/>
+          <p:nvPr/>
+        </p:nvSpPr>
+        <p:spPr>
+          <a:xfrm>
+            <a:off x="9612113" y="1316505"/>
+            <a:ext cx="881973" cy="523220"/>
+          </a:xfrm>
+          <a:prstGeom prst="rect">
+            <a:avLst/>
+          </a:prstGeom>
+          <a:noFill/>
+        </p:spPr>
+        <p:txBody>
+          <a:bodyPr wrap="none" rtlCol="0">
+            <a:spAutoFit/>
+          </a:bodyPr>
+          <a:lstStyle/>
+          <a:p>
+            <a:r>
+              <a:rPr kumimoji="1" lang="ja-JP" altLang="en-US" sz="1400" dirty="0">
+                <a:latin typeface="UD Digi Kyokasho NK-R" panose="02020400000000000000" pitchFamily="18" charset="-128"/>
+                <a:ea typeface="UD Digi Kyokasho NK-R" panose="02020400000000000000" pitchFamily="18" charset="-128"/>
+              </a:rPr>
+              <a:t>カスタム</a:t>
+            </a:r>
+            <a:br>
+              <a:rPr kumimoji="1" lang="en-US" altLang="ja-JP" sz="1400" dirty="0">
+                <a:latin typeface="UD Digi Kyokasho NK-R" panose="02020400000000000000" pitchFamily="18" charset="-128"/>
+                <a:ea typeface="UD Digi Kyokasho NK-R" panose="02020400000000000000" pitchFamily="18" charset="-128"/>
+              </a:rPr>
+            </a:br>
+            <a:r>
+              <a:rPr kumimoji="1" lang="en-US" altLang="ja-JP" sz="1400" dirty="0" err="1">
+                <a:latin typeface="UD Digi Kyokasho NK-R" panose="02020400000000000000" pitchFamily="18" charset="-128"/>
+                <a:ea typeface="UD Digi Kyokasho NK-R" panose="02020400000000000000" pitchFamily="18" charset="-128"/>
+              </a:rPr>
+              <a:t>WebAPI</a:t>
+            </a:r>
+            <a:endParaRPr kumimoji="1" lang="ja-JP" altLang="en-US" sz="1400" dirty="0">
+              <a:latin typeface="UD Digi Kyokasho NK-R" panose="02020400000000000000" pitchFamily="18" charset="-128"/>
+              <a:ea typeface="UD Digi Kyokasho NK-R" panose="02020400000000000000" pitchFamily="18" charset="-128"/>
+            </a:endParaRPr>
+          </a:p>
+        </p:txBody>
+      </p:sp>
+      <p:cxnSp>
+        <p:nvCxnSpPr>
+          <p:cNvPr id="14" name="直線矢印コネクタ 13">
+            <a:extLst>
+              <a:ext uri="{FF2B5EF4-FFF2-40B4-BE49-F238E27FC236}">
+                <a16:creationId xmlns:a16="http://schemas.microsoft.com/office/drawing/2014/main" id="{62B8942C-2E7E-49ED-AE8E-A6D6F41CBC6F}"/>
+              </a:ext>
+            </a:extLst>
+          </p:cNvPr>
+          <p:cNvCxnSpPr/>
+          <p:nvPr/>
+        </p:nvCxnSpPr>
+        <p:spPr>
+          <a:xfrm>
+            <a:off x="2571172" y="1578115"/>
+            <a:ext cx="1487393" cy="0"/>
+          </a:xfrm>
+          <a:prstGeom prst="straightConnector1">
+            <a:avLst/>
+          </a:prstGeom>
+          <a:ln w="28575">
+            <a:solidFill>
+              <a:schemeClr val="accent1"/>
+            </a:solidFill>
+            <a:headEnd type="none" w="med" len="med"/>
+            <a:tailEnd type="arrow" w="med" len="med"/>
+          </a:ln>
+        </p:spPr>
+        <p:style>
+          <a:lnRef idx="1">
+            <a:schemeClr val="accent1"/>
+          </a:lnRef>
+          <a:fillRef idx="0">
+            <a:schemeClr val="accent1"/>
+          </a:fillRef>
+          <a:effectRef idx="0">
+            <a:schemeClr val="accent1"/>
+          </a:effectRef>
+          <a:fontRef idx="minor">
+            <a:schemeClr val="tx1"/>
+          </a:fontRef>
+        </p:style>
+      </p:cxnSp>
+      <p:cxnSp>
+        <p:nvCxnSpPr>
+          <p:cNvPr id="16" name="直線矢印コネクタ 15">
+            <a:extLst>
+              <a:ext uri="{FF2B5EF4-FFF2-40B4-BE49-F238E27FC236}">
+                <a16:creationId xmlns:a16="http://schemas.microsoft.com/office/drawing/2014/main" id="{39B49763-7A3A-4646-92FA-9521EC0AA0E5}"/>
+              </a:ext>
+            </a:extLst>
+          </p:cNvPr>
+          <p:cNvCxnSpPr>
+            <a:cxnSpLocks/>
+          </p:cNvCxnSpPr>
+          <p:nvPr/>
+        </p:nvCxnSpPr>
+        <p:spPr>
+          <a:xfrm>
+            <a:off x="5163658" y="1574115"/>
+            <a:ext cx="2395461" cy="0"/>
+          </a:xfrm>
+          <a:prstGeom prst="straightConnector1">
+            <a:avLst/>
+          </a:prstGeom>
+          <a:ln w="28575">
+            <a:solidFill>
+              <a:schemeClr val="accent1"/>
+            </a:solidFill>
+            <a:headEnd type="none" w="med" len="med"/>
+            <a:tailEnd type="arrow" w="med" len="med"/>
+          </a:ln>
+        </p:spPr>
+        <p:style>
+          <a:lnRef idx="1">
+            <a:schemeClr val="accent1"/>
+          </a:lnRef>
+          <a:fillRef idx="0">
+            <a:schemeClr val="accent1"/>
+          </a:fillRef>
+          <a:effectRef idx="0">
+            <a:schemeClr val="accent1"/>
+          </a:effectRef>
+          <a:fontRef idx="minor">
+            <a:schemeClr val="tx1"/>
+          </a:fontRef>
+        </p:style>
+      </p:cxnSp>
+      <p:pic>
+        <p:nvPicPr>
+          <p:cNvPr id="18" name="図 17">
+            <a:extLst>
+              <a:ext uri="{FF2B5EF4-FFF2-40B4-BE49-F238E27FC236}">
+                <a16:creationId xmlns:a16="http://schemas.microsoft.com/office/drawing/2014/main" id="{1D921655-A592-46BD-9BFB-EC9A7EB3167D}"/>
+              </a:ext>
+            </a:extLst>
+          </p:cNvPr>
+          <p:cNvPicPr>
+            <a:picLocks noChangeAspect="1"/>
+          </p:cNvPicPr>
+          <p:nvPr/>
+        </p:nvPicPr>
+        <p:blipFill>
+          <a:blip r:embed="rId6">
+            <a:extLst>
+              <a:ext uri="{28A0092B-C50C-407E-A947-70E740481C1C}">
+                <a14:useLocalDpi xmlns:a14="http://schemas.microsoft.com/office/drawing/2010/main" val="0"/>
+              </a:ext>
+            </a:extLst>
+          </a:blip>
+          <a:stretch>
+            <a:fillRect/>
+          </a:stretch>
+        </p:blipFill>
+        <p:spPr>
+          <a:xfrm>
+            <a:off x="1713213" y="3630042"/>
+            <a:ext cx="987276" cy="831390"/>
+          </a:xfrm>
+          <a:prstGeom prst="rect">
+            <a:avLst/>
+          </a:prstGeom>
+        </p:spPr>
+      </p:pic>
+      <p:cxnSp>
+        <p:nvCxnSpPr>
+          <p:cNvPr id="20" name="直線コネクタ 19">
+            <a:extLst>
+              <a:ext uri="{FF2B5EF4-FFF2-40B4-BE49-F238E27FC236}">
+                <a16:creationId xmlns:a16="http://schemas.microsoft.com/office/drawing/2014/main" id="{C44EE662-B83F-4943-99CA-EEE38A1533C7}"/>
+              </a:ext>
+            </a:extLst>
+          </p:cNvPr>
+          <p:cNvCxnSpPr/>
+          <p:nvPr/>
+        </p:nvCxnSpPr>
+        <p:spPr>
+          <a:xfrm>
+            <a:off x="1151600" y="2840854"/>
+            <a:ext cx="10658195" cy="0"/>
+          </a:xfrm>
+          <a:prstGeom prst="line">
+            <a:avLst/>
+          </a:prstGeom>
+          <a:ln w="19050">
+            <a:prstDash val="dash"/>
+          </a:ln>
+        </p:spPr>
+        <p:style>
+          <a:lnRef idx="1">
+            <a:schemeClr val="dk1"/>
+          </a:lnRef>
+          <a:fillRef idx="0">
+            <a:schemeClr val="dk1"/>
+          </a:fillRef>
+          <a:effectRef idx="0">
+            <a:schemeClr val="dk1"/>
+          </a:effectRef>
+          <a:fontRef idx="minor">
+            <a:schemeClr val="tx1"/>
+          </a:fontRef>
+        </p:style>
+      </p:cxnSp>
+      <p:pic>
+        <p:nvPicPr>
+          <p:cNvPr id="1026" name="Picture 2" descr="NET Core 3.0 で gRPC がシームレスに統合されて素晴らしい件 - ecbeing labs（イーシービーイング・ラボ）">
+            <a:extLst>
+              <a:ext uri="{FF2B5EF4-FFF2-40B4-BE49-F238E27FC236}">
+                <a16:creationId xmlns:a16="http://schemas.microsoft.com/office/drawing/2014/main" id="{59CF1816-6A61-4DAF-A740-67D293B85AD5}"/>
+              </a:ext>
+            </a:extLst>
+          </p:cNvPr>
+          <p:cNvPicPr>
+            <a:picLocks noChangeAspect="1" noChangeArrowheads="1"/>
+          </p:cNvPicPr>
+          <p:nvPr/>
+        </p:nvPicPr>
+        <p:blipFill rotWithShape="1">
+          <a:blip r:embed="rId7">
+            <a:clrChange>
+              <a:clrFrom>
+                <a:srgbClr val="FFFFFF"/>
+              </a:clrFrom>
+              <a:clrTo>
+                <a:srgbClr val="FFFFFF">
+                  <a:alpha val="0"/>
+                </a:srgbClr>
+              </a:clrTo>
+            </a:clrChange>
+            <a:extLst>
+              <a:ext uri="{28A0092B-C50C-407E-A947-70E740481C1C}">
+                <a14:useLocalDpi xmlns:a14="http://schemas.microsoft.com/office/drawing/2010/main" val="0"/>
+              </a:ext>
+            </a:extLst>
+          </a:blip>
+          <a:srcRect l="18082" r="20502"/>
+          <a:stretch/>
+        </p:blipFill>
+        <p:spPr bwMode="auto">
+          <a:xfrm>
+            <a:off x="8691238" y="3602908"/>
+            <a:ext cx="1083075" cy="827998"/>
+          </a:xfrm>
+          <a:prstGeom prst="rect">
+            <a:avLst/>
+          </a:prstGeom>
+          <a:noFill/>
+          <a:extLst>
+            <a:ext uri="{909E8E84-426E-40DD-AFC4-6F175D3DCCD1}">
+              <a14:hiddenFill xmlns:a14="http://schemas.microsoft.com/office/drawing/2010/main">
+                <a:solidFill>
+                  <a:srgbClr val="FFFFFF"/>
+                </a:solidFill>
+              </a14:hiddenFill>
+            </a:ext>
+          </a:extLst>
+        </p:spPr>
+      </p:pic>
+      <p:cxnSp>
+        <p:nvCxnSpPr>
+          <p:cNvPr id="2" name="直線矢印コネクタ 1">
+            <a:extLst>
+              <a:ext uri="{FF2B5EF4-FFF2-40B4-BE49-F238E27FC236}">
+                <a16:creationId xmlns:a16="http://schemas.microsoft.com/office/drawing/2014/main" id="{CCDAAA22-FB1A-42D2-85B4-04AE5219DC09}"/>
+              </a:ext>
+            </a:extLst>
+          </p:cNvPr>
+          <p:cNvCxnSpPr>
+            <a:cxnSpLocks/>
+          </p:cNvCxnSpPr>
+          <p:nvPr/>
+        </p:nvCxnSpPr>
+        <p:spPr>
+          <a:xfrm flipV="1">
+            <a:off x="9254109" y="2053724"/>
+            <a:ext cx="0" cy="1495536"/>
+          </a:xfrm>
+          <a:prstGeom prst="straightConnector1">
+            <a:avLst/>
+          </a:prstGeom>
+          <a:ln w="28575">
+            <a:solidFill>
+              <a:schemeClr val="accent1"/>
+            </a:solidFill>
+            <a:headEnd type="none" w="med" len="med"/>
+            <a:tailEnd type="arrow" w="med" len="med"/>
+          </a:ln>
+        </p:spPr>
+        <p:style>
+          <a:lnRef idx="1">
+            <a:schemeClr val="accent1"/>
+          </a:lnRef>
+          <a:fillRef idx="0">
+            <a:schemeClr val="accent1"/>
+          </a:fillRef>
+          <a:effectRef idx="0">
+            <a:schemeClr val="accent1"/>
+          </a:effectRef>
+          <a:fontRef idx="minor">
+            <a:schemeClr val="tx1"/>
+          </a:fontRef>
+        </p:style>
+      </p:cxnSp>
+      <p:pic>
+        <p:nvPicPr>
+          <p:cNvPr id="2050" name="Picture 2" descr="OpenAPIを理解しよう、解剖編 – 要約を君に | apps-gcp.com">
+            <a:extLst>
+              <a:ext uri="{FF2B5EF4-FFF2-40B4-BE49-F238E27FC236}">
+                <a16:creationId xmlns:a16="http://schemas.microsoft.com/office/drawing/2014/main" id="{82A3E328-4894-4C26-A8E2-DA04F0293B63}"/>
+              </a:ext>
+            </a:extLst>
+          </p:cNvPr>
+          <p:cNvPicPr>
+            <a:picLocks noChangeAspect="1" noChangeArrowheads="1"/>
+          </p:cNvPicPr>
+          <p:nvPr/>
+        </p:nvPicPr>
+        <p:blipFill>
+          <a:blip r:embed="rId8">
+            <a:clrChange>
+              <a:clrFrom>
+                <a:srgbClr val="FFFFFF"/>
+              </a:clrFrom>
+              <a:clrTo>
+                <a:srgbClr val="FFFFFF">
+                  <a:alpha val="0"/>
+                </a:srgbClr>
+              </a:clrTo>
+            </a:clrChange>
+            <a:extLst>
+              <a:ext uri="{28A0092B-C50C-407E-A947-70E740481C1C}">
+                <a14:useLocalDpi xmlns:a14="http://schemas.microsoft.com/office/drawing/2010/main" val="0"/>
+              </a:ext>
+            </a:extLst>
+          </a:blip>
+          <a:srcRect/>
+          <a:stretch>
+            <a:fillRect/>
+          </a:stretch>
+        </p:blipFill>
+        <p:spPr bwMode="auto">
+          <a:xfrm>
+            <a:off x="6262877" y="3508216"/>
+            <a:ext cx="995341" cy="995341"/>
+          </a:xfrm>
+          <a:prstGeom prst="rect">
+            <a:avLst/>
+          </a:prstGeom>
+          <a:noFill/>
+          <a:extLst>
+            <a:ext uri="{909E8E84-426E-40DD-AFC4-6F175D3DCCD1}">
+              <a14:hiddenFill xmlns:a14="http://schemas.microsoft.com/office/drawing/2010/main">
+                <a:solidFill>
+                  <a:srgbClr val="FFFFFF"/>
+                </a:solidFill>
+              </a14:hiddenFill>
+            </a:ext>
+          </a:extLst>
+        </p:spPr>
+      </p:pic>
+      <p:cxnSp>
+        <p:nvCxnSpPr>
+          <p:cNvPr id="4" name="直線矢印コネクタ 3">
+            <a:extLst>
+              <a:ext uri="{FF2B5EF4-FFF2-40B4-BE49-F238E27FC236}">
+                <a16:creationId xmlns:a16="http://schemas.microsoft.com/office/drawing/2014/main" id="{8E6B3077-81F5-4978-8C05-C8FC2ED012BD}"/>
+              </a:ext>
+            </a:extLst>
+          </p:cNvPr>
+          <p:cNvCxnSpPr>
+            <a:cxnSpLocks/>
+          </p:cNvCxnSpPr>
+          <p:nvPr/>
+        </p:nvCxnSpPr>
+        <p:spPr>
+          <a:xfrm flipH="1" flipV="1">
+            <a:off x="7266243" y="4041295"/>
+            <a:ext cx="1490067" cy="257"/>
+          </a:xfrm>
+          <a:prstGeom prst="straightConnector1">
+            <a:avLst/>
+          </a:prstGeom>
+          <a:ln w="28575">
+            <a:solidFill>
+              <a:schemeClr val="accent1"/>
+            </a:solidFill>
+            <a:headEnd type="none" w="med" len="med"/>
+            <a:tailEnd type="arrow" w="med" len="med"/>
+          </a:ln>
+        </p:spPr>
+        <p:style>
+          <a:lnRef idx="1">
+            <a:schemeClr val="accent1"/>
+          </a:lnRef>
+          <a:fillRef idx="0">
+            <a:schemeClr val="accent1"/>
+          </a:fillRef>
+          <a:effectRef idx="0">
+            <a:schemeClr val="accent1"/>
+          </a:effectRef>
+          <a:fontRef idx="minor">
+            <a:schemeClr val="tx1"/>
+          </a:fontRef>
+        </p:style>
+      </p:cxnSp>
+      <p:cxnSp>
+        <p:nvCxnSpPr>
+          <p:cNvPr id="9" name="直線矢印コネクタ 8">
+            <a:extLst>
+              <a:ext uri="{FF2B5EF4-FFF2-40B4-BE49-F238E27FC236}">
+                <a16:creationId xmlns:a16="http://schemas.microsoft.com/office/drawing/2014/main" id="{A248C3DF-82F3-4A45-A946-F3C1E12E53A3}"/>
+              </a:ext>
+            </a:extLst>
+          </p:cNvPr>
+          <p:cNvCxnSpPr>
+            <a:cxnSpLocks/>
+          </p:cNvCxnSpPr>
+          <p:nvPr/>
+        </p:nvCxnSpPr>
+        <p:spPr>
+          <a:xfrm flipH="1" flipV="1">
+            <a:off x="4871322" y="2173494"/>
+            <a:ext cx="1224678" cy="1605466"/>
+          </a:xfrm>
+          <a:prstGeom prst="straightConnector1">
+            <a:avLst/>
+          </a:prstGeom>
+          <a:ln w="28575">
+            <a:solidFill>
+              <a:schemeClr val="accent1"/>
+            </a:solidFill>
+            <a:headEnd type="none" w="med" len="med"/>
+            <a:tailEnd type="arrow" w="med" len="med"/>
+          </a:ln>
+        </p:spPr>
+        <p:style>
+          <a:lnRef idx="1">
+            <a:schemeClr val="accent1"/>
+          </a:lnRef>
+          <a:fillRef idx="0">
+            <a:schemeClr val="accent1"/>
+          </a:fillRef>
+          <a:effectRef idx="0">
+            <a:schemeClr val="accent1"/>
+          </a:effectRef>
+          <a:fontRef idx="minor">
+            <a:schemeClr val="tx1"/>
+          </a:fontRef>
+        </p:style>
+      </p:cxnSp>
+      <p:cxnSp>
+        <p:nvCxnSpPr>
+          <p:cNvPr id="21" name="直線矢印コネクタ 20">
+            <a:extLst>
+              <a:ext uri="{FF2B5EF4-FFF2-40B4-BE49-F238E27FC236}">
+                <a16:creationId xmlns:a16="http://schemas.microsoft.com/office/drawing/2014/main" id="{6FA752B0-4C2B-4D5E-B3CD-CEAB79032146}"/>
+              </a:ext>
+            </a:extLst>
+          </p:cNvPr>
+          <p:cNvCxnSpPr>
+            <a:cxnSpLocks/>
+          </p:cNvCxnSpPr>
+          <p:nvPr/>
+        </p:nvCxnSpPr>
+        <p:spPr>
+          <a:xfrm flipV="1">
+            <a:off x="2173929" y="2053724"/>
+            <a:ext cx="0" cy="1495536"/>
+          </a:xfrm>
+          <a:prstGeom prst="straightConnector1">
+            <a:avLst/>
+          </a:prstGeom>
+          <a:ln w="28575">
+            <a:solidFill>
+              <a:schemeClr val="accent1"/>
+            </a:solidFill>
+            <a:headEnd type="none" w="med" len="med"/>
+            <a:tailEnd type="arrow" w="med" len="med"/>
+          </a:ln>
+        </p:spPr>
+        <p:style>
+          <a:lnRef idx="1">
+            <a:schemeClr val="accent1"/>
+          </a:lnRef>
+          <a:fillRef idx="0">
+            <a:schemeClr val="accent1"/>
+          </a:fillRef>
+          <a:effectRef idx="0">
+            <a:schemeClr val="accent1"/>
+          </a:effectRef>
+          <a:fontRef idx="minor">
+            <a:schemeClr val="tx1"/>
+          </a:fontRef>
+        </p:style>
+      </p:cxnSp>
+      <p:sp>
+        <p:nvSpPr>
+          <p:cNvPr id="23" name="テキスト ボックス 22">
+            <a:extLst>
+              <a:ext uri="{FF2B5EF4-FFF2-40B4-BE49-F238E27FC236}">
+                <a16:creationId xmlns:a16="http://schemas.microsoft.com/office/drawing/2014/main" id="{5093F03E-52D0-4B2D-B25C-73F6C255BC3C}"/>
+              </a:ext>
+            </a:extLst>
+          </p:cNvPr>
+          <p:cNvSpPr txBox="1"/>
+          <p:nvPr/>
+        </p:nvSpPr>
+        <p:spPr>
+          <a:xfrm>
+            <a:off x="10588030" y="2479429"/>
+            <a:ext cx="1473480" cy="307777"/>
+          </a:xfrm>
+          <a:prstGeom prst="rect">
+            <a:avLst/>
+          </a:prstGeom>
+          <a:noFill/>
+        </p:spPr>
+        <p:txBody>
+          <a:bodyPr wrap="none" rtlCol="0">
+            <a:spAutoFit/>
+          </a:bodyPr>
+          <a:lstStyle/>
+          <a:p>
+            <a:r>
+              <a:rPr kumimoji="1" lang="ja-JP" altLang="en-US" sz="1400" dirty="0">
+                <a:latin typeface="UD Digi Kyokasho NK-R" panose="02020400000000000000" pitchFamily="18" charset="-128"/>
+                <a:ea typeface="UD Digi Kyokasho NK-R" panose="02020400000000000000" pitchFamily="18" charset="-128"/>
+              </a:rPr>
+              <a:t>クラウド実行環境</a:t>
+            </a:r>
+          </a:p>
+        </p:txBody>
+      </p:sp>
+      <p:sp>
+        <p:nvSpPr>
+          <p:cNvPr id="25" name="テキスト ボックス 24">
+            <a:extLst>
+              <a:ext uri="{FF2B5EF4-FFF2-40B4-BE49-F238E27FC236}">
+                <a16:creationId xmlns:a16="http://schemas.microsoft.com/office/drawing/2014/main" id="{155BDDDD-C816-40C5-9B8E-557B36AD43C7}"/>
+              </a:ext>
+            </a:extLst>
+          </p:cNvPr>
+          <p:cNvSpPr txBox="1"/>
+          <p:nvPr/>
+        </p:nvSpPr>
+        <p:spPr>
+          <a:xfrm>
+            <a:off x="10514878" y="2938181"/>
+            <a:ext cx="1552028" cy="307777"/>
+          </a:xfrm>
+          <a:prstGeom prst="rect">
+            <a:avLst/>
+          </a:prstGeom>
+          <a:noFill/>
+        </p:spPr>
+        <p:txBody>
+          <a:bodyPr wrap="none" rtlCol="0">
+            <a:spAutoFit/>
+          </a:bodyPr>
+          <a:lstStyle/>
+          <a:p>
+            <a:r>
+              <a:rPr kumimoji="1" lang="ja-JP" altLang="en-US" sz="1400" dirty="0">
+                <a:latin typeface="UD Digi Kyokasho NK-R" panose="02020400000000000000" pitchFamily="18" charset="-128"/>
+                <a:ea typeface="UD Digi Kyokasho NK-R" panose="02020400000000000000" pitchFamily="18" charset="-128"/>
+              </a:rPr>
+              <a:t>ローカル</a:t>
+            </a:r>
+            <a:r>
+              <a:rPr lang="ja-JP" altLang="en-US" sz="1400" dirty="0">
+                <a:latin typeface="UD Digi Kyokasho NK-R" panose="02020400000000000000" pitchFamily="18" charset="-128"/>
+                <a:ea typeface="UD Digi Kyokasho NK-R" panose="02020400000000000000" pitchFamily="18" charset="-128"/>
+              </a:rPr>
+              <a:t>開発環境</a:t>
+            </a:r>
+            <a:endParaRPr kumimoji="1" lang="ja-JP" altLang="en-US" sz="1400" dirty="0">
+              <a:latin typeface="UD Digi Kyokasho NK-R" panose="02020400000000000000" pitchFamily="18" charset="-128"/>
+              <a:ea typeface="UD Digi Kyokasho NK-R" panose="02020400000000000000" pitchFamily="18" charset="-128"/>
+            </a:endParaRPr>
+          </a:p>
+        </p:txBody>
+      </p:sp>
+      <p:sp>
+        <p:nvSpPr>
+          <p:cNvPr id="27" name="テキスト ボックス 26">
+            <a:extLst>
+              <a:ext uri="{FF2B5EF4-FFF2-40B4-BE49-F238E27FC236}">
+                <a16:creationId xmlns:a16="http://schemas.microsoft.com/office/drawing/2014/main" id="{AA1DD683-4766-48FB-A521-7BF45E8777DE}"/>
+              </a:ext>
+            </a:extLst>
+          </p:cNvPr>
+          <p:cNvSpPr txBox="1"/>
+          <p:nvPr/>
+        </p:nvSpPr>
+        <p:spPr>
+          <a:xfrm>
+            <a:off x="1216923" y="2938181"/>
+            <a:ext cx="992579" cy="307777"/>
+          </a:xfrm>
+          <a:prstGeom prst="rect">
+            <a:avLst/>
+          </a:prstGeom>
+          <a:noFill/>
+        </p:spPr>
+        <p:txBody>
+          <a:bodyPr wrap="none" rtlCol="0">
+            <a:spAutoFit/>
+          </a:bodyPr>
+          <a:lstStyle/>
+          <a:p>
+            <a:r>
+              <a:rPr lang="ja-JP" altLang="en-US" sz="1400" dirty="0">
+                <a:latin typeface="UD Digi Kyokasho NK-R" panose="02020400000000000000" pitchFamily="18" charset="-128"/>
+                <a:ea typeface="UD Digi Kyokasho NK-R" panose="02020400000000000000" pitchFamily="18" charset="-128"/>
+              </a:rPr>
+              <a:t>作成・利用</a:t>
+            </a:r>
+            <a:endParaRPr kumimoji="1" lang="ja-JP" altLang="en-US" sz="1400" dirty="0">
+              <a:latin typeface="UD Digi Kyokasho NK-R" panose="02020400000000000000" pitchFamily="18" charset="-128"/>
+              <a:ea typeface="UD Digi Kyokasho NK-R" panose="02020400000000000000" pitchFamily="18" charset="-128"/>
+            </a:endParaRPr>
+          </a:p>
+        </p:txBody>
+      </p:sp>
+      <p:sp>
+        <p:nvSpPr>
+          <p:cNvPr id="29" name="テキスト ボックス 28">
+            <a:extLst>
+              <a:ext uri="{FF2B5EF4-FFF2-40B4-BE49-F238E27FC236}">
+                <a16:creationId xmlns:a16="http://schemas.microsoft.com/office/drawing/2014/main" id="{9CF9679A-D8AF-4B5D-AD6F-3A21365D48BE}"/>
+              </a:ext>
+            </a:extLst>
+          </p:cNvPr>
+          <p:cNvSpPr txBox="1"/>
+          <p:nvPr/>
+        </p:nvSpPr>
+        <p:spPr>
+          <a:xfrm>
+            <a:off x="1558767" y="4461432"/>
+            <a:ext cx="1261884" cy="307777"/>
+          </a:xfrm>
+          <a:prstGeom prst="rect">
+            <a:avLst/>
+          </a:prstGeom>
+          <a:noFill/>
+        </p:spPr>
+        <p:txBody>
+          <a:bodyPr wrap="none" rtlCol="0">
+            <a:spAutoFit/>
+          </a:bodyPr>
+          <a:lstStyle/>
+          <a:p>
+            <a:r>
+              <a:rPr lang="en-US" altLang="ja-JP" sz="1400" dirty="0">
+                <a:latin typeface="UD Digi Kyokasho NK-R" panose="02020400000000000000" pitchFamily="18" charset="-128"/>
+                <a:ea typeface="UD Digi Kyokasho NK-R" panose="02020400000000000000" pitchFamily="18" charset="-128"/>
+              </a:rPr>
+              <a:t>Web</a:t>
+            </a:r>
+            <a:r>
+              <a:rPr lang="ja-JP" altLang="en-US" sz="1400" dirty="0">
+                <a:latin typeface="UD Digi Kyokasho NK-R" panose="02020400000000000000" pitchFamily="18" charset="-128"/>
+                <a:ea typeface="UD Digi Kyokasho NK-R" panose="02020400000000000000" pitchFamily="18" charset="-128"/>
+              </a:rPr>
+              <a:t> ブラウザ</a:t>
+            </a:r>
+            <a:endParaRPr kumimoji="1" lang="ja-JP" altLang="en-US" sz="1400" dirty="0">
+              <a:latin typeface="UD Digi Kyokasho NK-R" panose="02020400000000000000" pitchFamily="18" charset="-128"/>
+              <a:ea typeface="UD Digi Kyokasho NK-R" panose="02020400000000000000" pitchFamily="18" charset="-128"/>
+            </a:endParaRPr>
+          </a:p>
+        </p:txBody>
+      </p:sp>
+      <p:sp>
+        <p:nvSpPr>
+          <p:cNvPr id="31" name="テキスト ボックス 30">
+            <a:extLst>
+              <a:ext uri="{FF2B5EF4-FFF2-40B4-BE49-F238E27FC236}">
+                <a16:creationId xmlns:a16="http://schemas.microsoft.com/office/drawing/2014/main" id="{B7B1C37E-B918-45B8-88F3-164B5901916F}"/>
+              </a:ext>
+            </a:extLst>
+          </p:cNvPr>
+          <p:cNvSpPr txBox="1"/>
+          <p:nvPr/>
+        </p:nvSpPr>
+        <p:spPr>
+          <a:xfrm>
+            <a:off x="5782133" y="4503557"/>
+            <a:ext cx="1845377" cy="307777"/>
+          </a:xfrm>
+          <a:prstGeom prst="rect">
+            <a:avLst/>
+          </a:prstGeom>
+          <a:noFill/>
+        </p:spPr>
+        <p:txBody>
+          <a:bodyPr wrap="none" rtlCol="0">
+            <a:spAutoFit/>
+          </a:bodyPr>
+          <a:lstStyle/>
+          <a:p>
+            <a:r>
+              <a:rPr lang="en-US" altLang="ja-JP" sz="1400" dirty="0" err="1">
+                <a:latin typeface="UD Digi Kyokasho NK-R" panose="02020400000000000000" pitchFamily="18" charset="-128"/>
+                <a:ea typeface="UD Digi Kyokasho NK-R" panose="02020400000000000000" pitchFamily="18" charset="-128"/>
+              </a:rPr>
+              <a:t>OpenAPI</a:t>
+            </a:r>
+            <a:r>
+              <a:rPr lang="ja-JP" altLang="en-US" sz="1400" dirty="0">
+                <a:latin typeface="UD Digi Kyokasho NK-R" panose="02020400000000000000" pitchFamily="18" charset="-128"/>
+                <a:ea typeface="UD Digi Kyokasho NK-R" panose="02020400000000000000" pitchFamily="18" charset="-128"/>
+              </a:rPr>
+              <a:t> ドキュメント</a:t>
+            </a:r>
+            <a:endParaRPr kumimoji="1" lang="ja-JP" altLang="en-US" sz="1400" dirty="0">
+              <a:latin typeface="UD Digi Kyokasho NK-R" panose="02020400000000000000" pitchFamily="18" charset="-128"/>
+              <a:ea typeface="UD Digi Kyokasho NK-R" panose="02020400000000000000" pitchFamily="18" charset="-128"/>
+            </a:endParaRPr>
+          </a:p>
+        </p:txBody>
+      </p:sp>
+      <p:sp>
+        <p:nvSpPr>
+          <p:cNvPr id="33" name="テキスト ボックス 32">
+            <a:extLst>
+              <a:ext uri="{FF2B5EF4-FFF2-40B4-BE49-F238E27FC236}">
+                <a16:creationId xmlns:a16="http://schemas.microsoft.com/office/drawing/2014/main" id="{C837F835-49BB-448D-9283-D5A9D04535BE}"/>
+              </a:ext>
+            </a:extLst>
+          </p:cNvPr>
+          <p:cNvSpPr txBox="1"/>
+          <p:nvPr/>
+        </p:nvSpPr>
+        <p:spPr>
+          <a:xfrm>
+            <a:off x="8496530" y="4481529"/>
+            <a:ext cx="1515158" cy="307777"/>
+          </a:xfrm>
+          <a:prstGeom prst="rect">
+            <a:avLst/>
+          </a:prstGeom>
+          <a:noFill/>
+        </p:spPr>
+        <p:txBody>
+          <a:bodyPr wrap="none" rtlCol="0">
+            <a:spAutoFit/>
+          </a:bodyPr>
+          <a:lstStyle/>
+          <a:p>
+            <a:r>
+              <a:rPr lang="en-US" altLang="ja-JP" sz="1400" dirty="0">
+                <a:latin typeface="UD Digi Kyokasho NK-R" panose="02020400000000000000" pitchFamily="18" charset="-128"/>
+                <a:ea typeface="UD Digi Kyokasho NK-R" panose="02020400000000000000" pitchFamily="18" charset="-128"/>
+              </a:rPr>
+              <a:t>.NET Core SDK</a:t>
+            </a:r>
+            <a:endParaRPr kumimoji="1" lang="ja-JP" altLang="en-US" sz="1400" dirty="0">
+              <a:latin typeface="UD Digi Kyokasho NK-R" panose="02020400000000000000" pitchFamily="18" charset="-128"/>
+              <a:ea typeface="UD Digi Kyokasho NK-R" panose="02020400000000000000" pitchFamily="18" charset="-128"/>
+            </a:endParaRPr>
+          </a:p>
+        </p:txBody>
+      </p:sp>
+      <p:sp>
+        <p:nvSpPr>
+          <p:cNvPr id="35" name="テキスト ボックス 34">
+            <a:extLst>
+              <a:ext uri="{FF2B5EF4-FFF2-40B4-BE49-F238E27FC236}">
+                <a16:creationId xmlns:a16="http://schemas.microsoft.com/office/drawing/2014/main" id="{29972D6A-3EC1-4594-9961-94CA79FC7AD8}"/>
+              </a:ext>
+            </a:extLst>
+          </p:cNvPr>
+          <p:cNvSpPr txBox="1"/>
+          <p:nvPr/>
+        </p:nvSpPr>
+        <p:spPr>
+          <a:xfrm>
+            <a:off x="9243561" y="3136258"/>
+            <a:ext cx="543739" cy="307777"/>
+          </a:xfrm>
+          <a:prstGeom prst="rect">
+            <a:avLst/>
+          </a:prstGeom>
+          <a:noFill/>
+        </p:spPr>
+        <p:txBody>
+          <a:bodyPr wrap="none" rtlCol="0">
+            <a:spAutoFit/>
+          </a:bodyPr>
+          <a:lstStyle/>
+          <a:p>
+            <a:r>
+              <a:rPr kumimoji="1" lang="ja-JP" altLang="en-US" sz="1400" dirty="0">
+                <a:latin typeface="UD Digi Kyokasho NK-R" panose="02020400000000000000" pitchFamily="18" charset="-128"/>
+                <a:ea typeface="UD Digi Kyokasho NK-R" panose="02020400000000000000" pitchFamily="18" charset="-128"/>
+              </a:rPr>
+              <a:t>開発</a:t>
+            </a:r>
+          </a:p>
+        </p:txBody>
+      </p:sp>
+      <p:sp>
+        <p:nvSpPr>
+          <p:cNvPr id="37" name="テキスト ボックス 36">
+            <a:extLst>
+              <a:ext uri="{FF2B5EF4-FFF2-40B4-BE49-F238E27FC236}">
+                <a16:creationId xmlns:a16="http://schemas.microsoft.com/office/drawing/2014/main" id="{AF55BA49-049C-467E-8E9F-9D93C0F48EFF}"/>
+              </a:ext>
+            </a:extLst>
+          </p:cNvPr>
+          <p:cNvSpPr txBox="1"/>
+          <p:nvPr/>
+        </p:nvSpPr>
+        <p:spPr>
+          <a:xfrm>
+            <a:off x="7770093" y="3709302"/>
+            <a:ext cx="543739" cy="307777"/>
+          </a:xfrm>
+          <a:prstGeom prst="rect">
+            <a:avLst/>
+          </a:prstGeom>
+          <a:noFill/>
+        </p:spPr>
+        <p:txBody>
+          <a:bodyPr wrap="none" rtlCol="0">
+            <a:spAutoFit/>
+          </a:bodyPr>
+          <a:lstStyle/>
+          <a:p>
+            <a:r>
+              <a:rPr kumimoji="1" lang="ja-JP" altLang="en-US" sz="1400" dirty="0">
+                <a:latin typeface="UD Digi Kyokasho NK-R" panose="02020400000000000000" pitchFamily="18" charset="-128"/>
+                <a:ea typeface="UD Digi Kyokasho NK-R" panose="02020400000000000000" pitchFamily="18" charset="-128"/>
+              </a:rPr>
+              <a:t>生成</a:t>
+            </a:r>
+          </a:p>
+        </p:txBody>
+      </p:sp>
+      <p:sp>
+        <p:nvSpPr>
+          <p:cNvPr id="39" name="テキスト ボックス 38">
+            <a:extLst>
+              <a:ext uri="{FF2B5EF4-FFF2-40B4-BE49-F238E27FC236}">
+                <a16:creationId xmlns:a16="http://schemas.microsoft.com/office/drawing/2014/main" id="{62790B32-BE55-4AAC-92AB-DE0A64764127}"/>
+              </a:ext>
+            </a:extLst>
+          </p:cNvPr>
+          <p:cNvSpPr txBox="1"/>
+          <p:nvPr/>
+        </p:nvSpPr>
+        <p:spPr>
+          <a:xfrm>
+            <a:off x="4933983" y="2976227"/>
+            <a:ext cx="543739" cy="307777"/>
+          </a:xfrm>
+          <a:prstGeom prst="rect">
+            <a:avLst/>
+          </a:prstGeom>
+          <a:noFill/>
+        </p:spPr>
+        <p:txBody>
+          <a:bodyPr wrap="none" rtlCol="0">
+            <a:spAutoFit/>
+          </a:bodyPr>
+          <a:lstStyle/>
+          <a:p>
+            <a:r>
+              <a:rPr kumimoji="1" lang="ja-JP" altLang="en-US" sz="1400" dirty="0">
+                <a:latin typeface="UD Digi Kyokasho NK-R" panose="02020400000000000000" pitchFamily="18" charset="-128"/>
+                <a:ea typeface="UD Digi Kyokasho NK-R" panose="02020400000000000000" pitchFamily="18" charset="-128"/>
+              </a:rPr>
+              <a:t>生成</a:t>
+            </a:r>
+          </a:p>
+        </p:txBody>
+      </p:sp>
+      <p:sp>
+        <p:nvSpPr>
+          <p:cNvPr id="41" name="テキスト ボックス 40">
+            <a:extLst>
+              <a:ext uri="{FF2B5EF4-FFF2-40B4-BE49-F238E27FC236}">
+                <a16:creationId xmlns:a16="http://schemas.microsoft.com/office/drawing/2014/main" id="{6ED07F06-67B9-4E5F-9A3D-7398B63F8E21}"/>
+              </a:ext>
+            </a:extLst>
+          </p:cNvPr>
+          <p:cNvSpPr txBox="1"/>
+          <p:nvPr/>
+        </p:nvSpPr>
+        <p:spPr>
+          <a:xfrm>
+            <a:off x="5949559" y="1583136"/>
+            <a:ext cx="800219" cy="307777"/>
+          </a:xfrm>
+          <a:prstGeom prst="rect">
+            <a:avLst/>
+          </a:prstGeom>
+          <a:noFill/>
+        </p:spPr>
+        <p:txBody>
+          <a:bodyPr wrap="none" rtlCol="0">
+            <a:spAutoFit/>
+          </a:bodyPr>
+          <a:lstStyle/>
+          <a:p>
+            <a:r>
+              <a:rPr kumimoji="1" lang="en-US" altLang="ja-JP" sz="1400" dirty="0">
+                <a:latin typeface="UD Digi Kyokasho NK-R" panose="02020400000000000000" pitchFamily="18" charset="-128"/>
+                <a:ea typeface="UD Digi Kyokasho NK-R" panose="02020400000000000000" pitchFamily="18" charset="-128"/>
+              </a:rPr>
+              <a:t>HTTPS</a:t>
+            </a:r>
+            <a:endParaRPr kumimoji="1" lang="ja-JP" altLang="en-US" sz="1400" dirty="0">
+              <a:latin typeface="UD Digi Kyokasho NK-R" panose="02020400000000000000" pitchFamily="18" charset="-128"/>
+              <a:ea typeface="UD Digi Kyokasho NK-R" panose="02020400000000000000" pitchFamily="18" charset="-128"/>
+            </a:endParaRPr>
+          </a:p>
+        </p:txBody>
+      </p:sp>
+      <p:sp>
+        <p:nvSpPr>
+          <p:cNvPr id="43" name="テキスト ボックス 42">
+            <a:extLst>
+              <a:ext uri="{FF2B5EF4-FFF2-40B4-BE49-F238E27FC236}">
+                <a16:creationId xmlns:a16="http://schemas.microsoft.com/office/drawing/2014/main" id="{82ED3A29-6526-4554-9833-C680AF994336}"/>
+              </a:ext>
+            </a:extLst>
+          </p:cNvPr>
+          <p:cNvSpPr txBox="1"/>
+          <p:nvPr/>
+        </p:nvSpPr>
+        <p:spPr>
+          <a:xfrm>
+            <a:off x="7250491" y="834911"/>
+            <a:ext cx="1521570" cy="307777"/>
+          </a:xfrm>
+          <a:prstGeom prst="rect">
+            <a:avLst/>
+          </a:prstGeom>
+          <a:noFill/>
+        </p:spPr>
+        <p:txBody>
+          <a:bodyPr wrap="none" rtlCol="0">
+            <a:spAutoFit/>
+          </a:bodyPr>
+          <a:lstStyle/>
+          <a:p>
+            <a:r>
+              <a:rPr kumimoji="1" lang="en-US" altLang="ja-JP" sz="1400" dirty="0">
+                <a:latin typeface="UD Digi Kyokasho NK-R" panose="02020400000000000000" pitchFamily="18" charset="-128"/>
+                <a:ea typeface="UD Digi Kyokasho NK-R" panose="02020400000000000000" pitchFamily="18" charset="-128"/>
+              </a:rPr>
+              <a:t>Azure Web</a:t>
+            </a:r>
+            <a:r>
+              <a:rPr kumimoji="1" lang="ja-JP" altLang="en-US" sz="1400" dirty="0">
+                <a:latin typeface="UD Digi Kyokasho NK-R" panose="02020400000000000000" pitchFamily="18" charset="-128"/>
+                <a:ea typeface="UD Digi Kyokasho NK-R" panose="02020400000000000000" pitchFamily="18" charset="-128"/>
+              </a:rPr>
+              <a:t> </a:t>
+            </a:r>
+            <a:r>
+              <a:rPr kumimoji="1" lang="en-US" altLang="ja-JP" sz="1400" dirty="0">
+                <a:latin typeface="UD Digi Kyokasho NK-R" panose="02020400000000000000" pitchFamily="18" charset="-128"/>
+                <a:ea typeface="UD Digi Kyokasho NK-R" panose="02020400000000000000" pitchFamily="18" charset="-128"/>
+              </a:rPr>
+              <a:t>App</a:t>
+            </a:r>
+            <a:endParaRPr kumimoji="1" lang="ja-JP" altLang="en-US" sz="1400" dirty="0">
+              <a:latin typeface="UD Digi Kyokasho NK-R" panose="02020400000000000000" pitchFamily="18" charset="-128"/>
+              <a:ea typeface="UD Digi Kyokasho NK-R" panose="02020400000000000000" pitchFamily="18" charset="-128"/>
+            </a:endParaRPr>
+          </a:p>
+        </p:txBody>
+      </p:sp>
+      <p:sp>
+        <p:nvSpPr>
+          <p:cNvPr id="45" name="テキスト ボックス 44">
+            <a:extLst>
+              <a:ext uri="{FF2B5EF4-FFF2-40B4-BE49-F238E27FC236}">
+                <a16:creationId xmlns:a16="http://schemas.microsoft.com/office/drawing/2014/main" id="{2B35A658-BF6E-4105-BE62-B7B707E3DD6D}"/>
+              </a:ext>
+            </a:extLst>
+          </p:cNvPr>
+          <p:cNvSpPr txBox="1"/>
+          <p:nvPr/>
+        </p:nvSpPr>
+        <p:spPr>
+          <a:xfrm>
+            <a:off x="3948407" y="843599"/>
+            <a:ext cx="1391728" cy="307777"/>
+          </a:xfrm>
+          <a:prstGeom prst="rect">
+            <a:avLst/>
+          </a:prstGeom>
+          <a:noFill/>
+        </p:spPr>
+        <p:txBody>
+          <a:bodyPr wrap="none" rtlCol="0">
+            <a:spAutoFit/>
+          </a:bodyPr>
+          <a:lstStyle/>
+          <a:p>
+            <a:r>
+              <a:rPr kumimoji="1" lang="ja-JP" altLang="en-US" sz="1400" dirty="0">
+                <a:latin typeface="UD Digi Kyokasho NK-R" panose="02020400000000000000" pitchFamily="18" charset="-128"/>
+                <a:ea typeface="UD Digi Kyokasho NK-R" panose="02020400000000000000" pitchFamily="18" charset="-128"/>
+              </a:rPr>
+              <a:t>カスタムコネクタ</a:t>
+            </a:r>
+          </a:p>
+        </p:txBody>
+      </p:sp>
+      <p:sp>
+        <p:nvSpPr>
+          <p:cNvPr id="47" name="テキスト ボックス 46">
+            <a:extLst>
+              <a:ext uri="{FF2B5EF4-FFF2-40B4-BE49-F238E27FC236}">
+                <a16:creationId xmlns:a16="http://schemas.microsoft.com/office/drawing/2014/main" id="{AB10E177-7406-45E6-89AB-8AD9387AA776}"/>
+              </a:ext>
+            </a:extLst>
+          </p:cNvPr>
+          <p:cNvSpPr txBox="1"/>
+          <p:nvPr/>
+        </p:nvSpPr>
+        <p:spPr>
+          <a:xfrm>
+            <a:off x="2970203" y="1588646"/>
+            <a:ext cx="543739" cy="307777"/>
+          </a:xfrm>
+          <a:prstGeom prst="rect">
+            <a:avLst/>
+          </a:prstGeom>
+          <a:noFill/>
+        </p:spPr>
+        <p:txBody>
+          <a:bodyPr wrap="none" rtlCol="0">
+            <a:spAutoFit/>
+          </a:bodyPr>
+          <a:lstStyle/>
+          <a:p>
+            <a:r>
+              <a:rPr kumimoji="1" lang="ja-JP" altLang="en-US" sz="1400" dirty="0">
+                <a:latin typeface="UD Digi Kyokasho NK-R" panose="02020400000000000000" pitchFamily="18" charset="-128"/>
+                <a:ea typeface="UD Digi Kyokasho NK-R" panose="02020400000000000000" pitchFamily="18" charset="-128"/>
+              </a:rPr>
+              <a:t>接続</a:t>
+            </a:r>
+          </a:p>
+        </p:txBody>
+      </p:sp>
+      <p:sp>
+        <p:nvSpPr>
+          <p:cNvPr id="49" name="テキスト ボックス 48">
+            <a:extLst>
+              <a:ext uri="{FF2B5EF4-FFF2-40B4-BE49-F238E27FC236}">
+                <a16:creationId xmlns:a16="http://schemas.microsoft.com/office/drawing/2014/main" id="{C52E26A9-8D87-4517-AA4D-7CE46BAE9377}"/>
+              </a:ext>
+            </a:extLst>
+          </p:cNvPr>
+          <p:cNvSpPr txBox="1"/>
+          <p:nvPr/>
+        </p:nvSpPr>
+        <p:spPr>
+          <a:xfrm>
+            <a:off x="1509312" y="801041"/>
+            <a:ext cx="1426994" cy="523220"/>
+          </a:xfrm>
+          <a:prstGeom prst="rect">
+            <a:avLst/>
+          </a:prstGeom>
+          <a:noFill/>
+        </p:spPr>
+        <p:txBody>
+          <a:bodyPr wrap="none" rtlCol="0">
+            <a:spAutoFit/>
+          </a:bodyPr>
+          <a:lstStyle/>
+          <a:p>
+            <a:r>
+              <a:rPr kumimoji="1" lang="en-US" altLang="ja-JP" sz="1400" dirty="0">
+                <a:latin typeface="UD Digi Kyokasho NK-R" panose="02020400000000000000" pitchFamily="18" charset="-128"/>
+                <a:ea typeface="UD Digi Kyokasho NK-R" panose="02020400000000000000" pitchFamily="18" charset="-128"/>
+              </a:rPr>
+              <a:t>Power Apps</a:t>
+            </a:r>
+            <a:br>
+              <a:rPr kumimoji="1" lang="en-US" altLang="ja-JP" sz="1400" dirty="0">
+                <a:latin typeface="UD Digi Kyokasho NK-R" panose="02020400000000000000" pitchFamily="18" charset="-128"/>
+                <a:ea typeface="UD Digi Kyokasho NK-R" panose="02020400000000000000" pitchFamily="18" charset="-128"/>
+              </a:rPr>
+            </a:br>
+            <a:r>
+              <a:rPr kumimoji="1" lang="ja-JP" altLang="en-US" sz="1400" dirty="0">
+                <a:latin typeface="UD Digi Kyokasho NK-R" panose="02020400000000000000" pitchFamily="18" charset="-128"/>
+                <a:ea typeface="UD Digi Kyokasho NK-R" panose="02020400000000000000" pitchFamily="18" charset="-128"/>
+              </a:rPr>
+              <a:t>キャンバスアプリ</a:t>
+            </a:r>
+          </a:p>
+        </p:txBody>
+      </p:sp>
     </p:spTree>
     <p:extLst>
       <p:ext uri="{BB962C8B-B14F-4D97-AF65-F5344CB8AC3E}">
@@ -4065,7 +5375,24 @@
       </a:bgFillStyleLst>
     </a:fmtScheme>
   </a:themeElements>
-  <a:objectDefaults/>
+  <a:objectDefaults>
+    <a:txDef>
+      <a:spPr>
+        <a:noFill/>
+      </a:spPr>
+      <a:bodyPr wrap="none" rtlCol="0">
+        <a:spAutoFit/>
+      </a:bodyPr>
+      <a:lstStyle>
+        <a:defPPr algn="l">
+          <a:defRPr kumimoji="1" sz="1400" dirty="0" smtClean="0">
+            <a:latin typeface="UD Digi Kyokasho NK-R" panose="02020400000000000000" pitchFamily="18" charset="-128"/>
+            <a:ea typeface="UD Digi Kyokasho NK-R" panose="02020400000000000000" pitchFamily="18" charset="-128"/>
+          </a:defRPr>
+        </a:defPPr>
+      </a:lstStyle>
+    </a:txDef>
+  </a:objectDefaults>
   <a:extraClrSchemeLst/>
   <a:extLst>
     <a:ext uri="{05A4C25C-085E-4340-85A3-A5531E510DB2}">
